--- a/ift/assets/slides/ift615-21-IA responsable.pptx
+++ b/ift/assets/slides/ift615-21-IA responsable.pptx
@@ -137,7 +137,7 @@
 <file path=ppt/revisionInfo.xml><?xml version="1.0" encoding="utf-8"?>
 <p1510:revInfo xmlns:a="http://schemas.openxmlformats.org/drawingml/2006/main" xmlns:r="http://schemas.openxmlformats.org/officeDocument/2006/relationships" xmlns:p1510="http://schemas.microsoft.com/office/powerpoint/2015/10/main">
   <p1510:revLst>
-    <p1510:client id="{BB40AA3F-12FF-4816-B02F-5083C4C3EA87}" v="263" dt="2023-07-31T12:18:49.698"/>
+    <p1510:client id="{036B7DB3-DE11-4C26-A8A7-07668B9CAADD}" v="4" dt="2024-04-09T16:14:02.112"/>
   </p1510:revLst>
 </p1510:revInfo>
 </file>
@@ -3912,6 +3912,60 @@
           </pc:sldLayoutMkLst>
         </pc:sldLayoutChg>
       </pc:sldMasterChg>
+    </pc:docChg>
+  </pc:docChgLst>
+  <pc:docChgLst>
+    <pc:chgData name="Froduald Kabanza" userId="edf393d0-642b-4b9e-8c75-f62133241689" providerId="ADAL" clId="{036B7DB3-DE11-4C26-A8A7-07668B9CAADD}"/>
+    <pc:docChg chg="modSld">
+      <pc:chgData name="Froduald Kabanza" userId="edf393d0-642b-4b9e-8c75-f62133241689" providerId="ADAL" clId="{036B7DB3-DE11-4C26-A8A7-07668B9CAADD}" dt="2024-04-09T16:22:22.890" v="4" actId="20577"/>
+      <pc:docMkLst>
+        <pc:docMk/>
+      </pc:docMkLst>
+      <pc:sldChg chg="modSp mod">
+        <pc:chgData name="Froduald Kabanza" userId="edf393d0-642b-4b9e-8c75-f62133241689" providerId="ADAL" clId="{036B7DB3-DE11-4C26-A8A7-07668B9CAADD}" dt="2024-04-09T16:22:22.890" v="4" actId="20577"/>
+        <pc:sldMkLst>
+          <pc:docMk/>
+          <pc:sldMk cId="0" sldId="405"/>
+        </pc:sldMkLst>
+        <pc:spChg chg="mod">
+          <ac:chgData name="Froduald Kabanza" userId="edf393d0-642b-4b9e-8c75-f62133241689" providerId="ADAL" clId="{036B7DB3-DE11-4C26-A8A7-07668B9CAADD}" dt="2024-04-09T16:22:22.890" v="4" actId="20577"/>
+          <ac:spMkLst>
+            <pc:docMk/>
+            <pc:sldMk cId="0" sldId="405"/>
+            <ac:spMk id="92162" creationId="{8315D294-25C1-4B08-B7F5-BD720D2B3860}"/>
+          </ac:spMkLst>
+        </pc:spChg>
+      </pc:sldChg>
+      <pc:sldChg chg="modSp modAnim">
+        <pc:chgData name="Froduald Kabanza" userId="edf393d0-642b-4b9e-8c75-f62133241689" providerId="ADAL" clId="{036B7DB3-DE11-4C26-A8A7-07668B9CAADD}" dt="2024-04-09T16:13:20.685" v="2" actId="20577"/>
+        <pc:sldMkLst>
+          <pc:docMk/>
+          <pc:sldMk cId="2525625781" sldId="728"/>
+        </pc:sldMkLst>
+        <pc:spChg chg="mod">
+          <ac:chgData name="Froduald Kabanza" userId="edf393d0-642b-4b9e-8c75-f62133241689" providerId="ADAL" clId="{036B7DB3-DE11-4C26-A8A7-07668B9CAADD}" dt="2024-04-09T16:13:20.685" v="2" actId="20577"/>
+          <ac:spMkLst>
+            <pc:docMk/>
+            <pc:sldMk cId="2525625781" sldId="728"/>
+            <ac:spMk id="9" creationId="{5E465818-C358-4B07-9F4F-8F47BFA5EE3C}"/>
+          </ac:spMkLst>
+        </pc:spChg>
+      </pc:sldChg>
+      <pc:sldChg chg="modSp modAnim">
+        <pc:chgData name="Froduald Kabanza" userId="edf393d0-642b-4b9e-8c75-f62133241689" providerId="ADAL" clId="{036B7DB3-DE11-4C26-A8A7-07668B9CAADD}" dt="2024-04-09T16:14:02.112" v="3" actId="20577"/>
+        <pc:sldMkLst>
+          <pc:docMk/>
+          <pc:sldMk cId="786140414" sldId="729"/>
+        </pc:sldMkLst>
+        <pc:spChg chg="mod">
+          <ac:chgData name="Froduald Kabanza" userId="edf393d0-642b-4b9e-8c75-f62133241689" providerId="ADAL" clId="{036B7DB3-DE11-4C26-A8A7-07668B9CAADD}" dt="2024-04-09T16:14:02.112" v="3" actId="20577"/>
+          <ac:spMkLst>
+            <pc:docMk/>
+            <pc:sldMk cId="786140414" sldId="729"/>
+            <ac:spMk id="9" creationId="{5E465818-C358-4B07-9F4F-8F47BFA5EE3C}"/>
+          </ac:spMkLst>
+        </pc:spChg>
+      </pc:sldChg>
     </pc:docChg>
   </pc:docChgLst>
   <pc:docChgLst>
@@ -18915,7 +18969,7 @@
           <a:p>
             <a:fld id="{418B900B-4E04-444A-912F-CE20CE57486D}" type="datetimeFigureOut">
               <a:rPr lang="fr-CA" smtClean="0"/>
-              <a:t>2023-07-31</a:t>
+              <a:t>2024-04-09</a:t>
             </a:fld>
             <a:endParaRPr lang="fr-CA"/>
           </a:p>
@@ -19081,7 +19135,7 @@
           <a:p>
             <a:fld id="{244EA38E-80BD-3344-8C29-F9C1736B78D2}" type="datetimeFigureOut">
               <a:rPr lang="fr-CA" smtClean="0"/>
-              <a:t>2023-07-31</a:t>
+              <a:t>2024-04-09</a:t>
             </a:fld>
             <a:endParaRPr lang="fr-CA"/>
           </a:p>
@@ -19414,7 +19468,7 @@
               </a14:hiddenLine>
             </a:ext>
             <a:ext uri="{FAA26D3D-D897-4be2-8F04-BA451C77F1D7}">
-              <ma14:placeholderFlag xmlns="" xmlns:ma14="http://schemas.microsoft.com/office/mac/drawingml/2011/main" val="1"/>
+              <ma14:placeholderFlag xmlns:ma14="http://schemas.microsoft.com/office/mac/drawingml/2011/main" xmlns="" val="1"/>
             </a:ext>
           </a:extLst>
         </p:spPr>
@@ -22510,7 +22564,7 @@
               </a14:hiddenLine>
             </a:ext>
             <a:ext uri="{FAA26D3D-D897-4be2-8F04-BA451C77F1D7}">
-              <ma14:placeholderFlag xmlns="" xmlns:ma14="http://schemas.microsoft.com/office/mac/drawingml/2011/main" val="1"/>
+              <ma14:placeholderFlag xmlns:ma14="http://schemas.microsoft.com/office/mac/drawingml/2011/main" xmlns="" val="1"/>
             </a:ext>
           </a:extLst>
         </p:spPr>
@@ -22571,7 +22625,7 @@
               </a14:hiddenLine>
             </a:ext>
             <a:ext uri="{FAA26D3D-D897-4be2-8F04-BA451C77F1D7}">
-              <ma14:placeholderFlag xmlns="" xmlns:ma14="http://schemas.microsoft.com/office/mac/drawingml/2011/main" val="1"/>
+              <ma14:placeholderFlag xmlns:ma14="http://schemas.microsoft.com/office/mac/drawingml/2011/main" xmlns="" val="1"/>
             </a:ext>
           </a:extLst>
         </p:spPr>
@@ -24693,7 +24747,7 @@
         </p:nvSpPr>
         <p:spPr bwMode="auto">
           <a:xfrm>
-            <a:off x="658584" y="1382033"/>
+            <a:off x="732019" y="1313466"/>
             <a:ext cx="8229599" cy="4888138"/>
           </a:xfrm>
           <a:prstGeom prst="rect">
@@ -24722,7 +24776,7 @@
               </a14:hiddenLine>
             </a:ext>
             <a:ext uri="{FAA26D3D-D897-4be2-8F04-BA451C77F1D7}">
-              <ma14:placeholderFlag xmlns:ma14="http://schemas.microsoft.com/office/mac/drawingml/2011/main" xmlns="" val="1"/>
+              <ma14:placeholderFlag xmlns="" xmlns:ma14="http://schemas.microsoft.com/office/mac/drawingml/2011/main" val="1"/>
             </a:ext>
           </a:extLst>
         </p:spPr>
@@ -24901,39 +24955,6 @@
               </a:defRPr>
             </a:lvl9pPr>
           </a:lstStyle>
-          <a:p>
-            <a:r>
-              <a:rPr lang="fr-CA" sz="1800" dirty="0"/>
-              <a:t>C’est quoi l’IA ? : </a:t>
-            </a:r>
-            <a:r>
-              <a:rPr lang="fr-CA" sz="1800" dirty="0" err="1">
-                <a:hlinkClick r:id="rId3"/>
-              </a:rPr>
-              <a:t>Youtube</a:t>
-            </a:r>
-            <a:r>
-              <a:rPr lang="fr-CA" sz="1800" dirty="0">
-                <a:hlinkClick r:id="rId3"/>
-              </a:rPr>
-              <a:t> IBM AI vs ML</a:t>
-            </a:r>
-            <a:r>
-              <a:rPr lang="fr-CA" sz="1800" dirty="0"/>
-              <a:t>  </a:t>
-            </a:r>
-            <a:r>
-              <a:rPr lang="fr-CA" sz="1400" dirty="0">
-                <a:hlinkClick r:id="rId3"/>
-              </a:rPr>
-              <a:t>https://www.youtube.com/watch?v=4RixMPF4xis</a:t>
-            </a:r>
-            <a:r>
-              <a:rPr lang="fr-CA" sz="1400" dirty="0"/>
-              <a:t> </a:t>
-            </a:r>
-            <a:endParaRPr lang="fr-CA" altLang="en-US" dirty="0"/>
-          </a:p>
           <a:p>
             <a:r>
               <a:rPr lang="fr-CA" altLang="en-US" dirty="0"/>
@@ -24986,7 +25007,7 @@
             <a:pPr lvl="1"/>
             <a:r>
               <a:rPr lang="fr-CA" altLang="en-US" dirty="0">
-                <a:hlinkClick r:id="rId4"/>
+                <a:hlinkClick r:id="rId3"/>
               </a:rPr>
               <a:t>Loi C-25 au Québec</a:t>
             </a:r>
@@ -24996,7 +25017,7 @@
             <a:pPr lvl="1"/>
             <a:r>
               <a:rPr lang="fr-CA" altLang="en-US" dirty="0">
-                <a:hlinkClick r:id="rId5"/>
+                <a:hlinkClick r:id="rId4"/>
               </a:rPr>
               <a:t>Projet de loi C-27 au Canada</a:t>
             </a:r>
@@ -25022,7 +25043,7 @@
             </a:r>
             <a:r>
               <a:rPr lang="fr-CA" altLang="en-US" dirty="0">
-                <a:hlinkClick r:id="rId6"/>
+                <a:hlinkClick r:id="rId5"/>
               </a:rPr>
               <a:t>https://ec.europa.eu/futurium/en/ai-alliance-consultation.1.html</a:t>
             </a:r>
@@ -25080,7 +25101,7 @@
                                         <p:tgtEl>
                                           <p:spTgt spid="9">
                                             <p:txEl>
-                                              <p:pRg st="1" end="1"/>
+                                              <p:pRg st="0" end="0"/>
                                             </p:txEl>
                                           </p:spTgt>
                                         </p:tgtEl>
@@ -25129,7 +25150,7 @@
                                         <p:tgtEl>
                                           <p:spTgt spid="9">
                                             <p:txEl>
-                                              <p:pRg st="0" end="0"/>
+                                              <p:pRg st="1" end="1"/>
                                             </p:txEl>
                                           </p:spTgt>
                                         </p:tgtEl>
@@ -25374,7 +25395,7 @@
                                         <p:tgtEl>
                                           <p:spTgt spid="9">
                                             <p:txEl>
-                                              <p:pRg st="6" end="6"/>
+                                              <p:pRg st="7" end="7"/>
                                             </p:txEl>
                                           </p:spTgt>
                                         </p:tgtEl>
@@ -25487,33 +25508,15 @@
                                   </p:childTnLst>
                                 </p:cTn>
                               </p:par>
-                            </p:childTnLst>
-                          </p:cTn>
-                        </p:par>
-                      </p:childTnLst>
-                    </p:cTn>
-                  </p:par>
-                  <p:par>
-                    <p:cTn id="39" fill="hold">
-                      <p:stCondLst>
-                        <p:cond delay="indefinite"/>
-                      </p:stCondLst>
-                      <p:childTnLst>
-                        <p:par>
-                          <p:cTn id="40" fill="hold">
-                            <p:stCondLst>
-                              <p:cond delay="0"/>
-                            </p:stCondLst>
-                            <p:childTnLst>
                               <p:par>
-                                <p:cTn id="41" presetID="1" presetClass="entr" presetSubtype="0" fill="hold" nodeType="clickEffect">
+                                <p:cTn id="39" presetID="1" presetClass="entr" presetSubtype="0" fill="hold" nodeType="withEffect">
                                   <p:stCondLst>
                                     <p:cond delay="0"/>
                                   </p:stCondLst>
                                   <p:childTnLst>
                                     <p:set>
                                       <p:cBhvr>
-                                        <p:cTn id="42" dur="1" fill="hold">
+                                        <p:cTn id="40" dur="1" fill="hold">
                                           <p:stCondLst>
                                             <p:cond delay="0"/>
                                           </p:stCondLst>
@@ -25537,14 +25540,14 @@
                                 </p:cTn>
                               </p:par>
                               <p:par>
-                                <p:cTn id="43" presetID="1" presetClass="entr" presetSubtype="0" fill="hold" nodeType="withEffect">
+                                <p:cTn id="41" presetID="1" presetClass="entr" presetSubtype="0" fill="hold" nodeType="withEffect">
                                   <p:stCondLst>
                                     <p:cond delay="0"/>
                                   </p:stCondLst>
                                   <p:childTnLst>
                                     <p:set>
                                       <p:cBhvr>
-                                        <p:cTn id="44" dur="1" fill="hold">
+                                        <p:cTn id="42" dur="1" fill="hold">
                                           <p:stCondLst>
                                             <p:cond delay="0"/>
                                           </p:stCondLst>
@@ -25553,37 +25556,6 @@
                                           <p:spTgt spid="9">
                                             <p:txEl>
                                               <p:pRg st="11" end="11"/>
-                                            </p:txEl>
-                                          </p:spTgt>
-                                        </p:tgtEl>
-                                        <p:attrNameLst>
-                                          <p:attrName>style.visibility</p:attrName>
-                                        </p:attrNameLst>
-                                      </p:cBhvr>
-                                      <p:to>
-                                        <p:strVal val="visible"/>
-                                      </p:to>
-                                    </p:set>
-                                  </p:childTnLst>
-                                </p:cTn>
-                              </p:par>
-                              <p:par>
-                                <p:cTn id="45" presetID="1" presetClass="entr" presetSubtype="0" fill="hold" nodeType="withEffect">
-                                  <p:stCondLst>
-                                    <p:cond delay="0"/>
-                                  </p:stCondLst>
-                                  <p:childTnLst>
-                                    <p:set>
-                                      <p:cBhvr>
-                                        <p:cTn id="46" dur="1" fill="hold">
-                                          <p:stCondLst>
-                                            <p:cond delay="0"/>
-                                          </p:stCondLst>
-                                        </p:cTn>
-                                        <p:tgtEl>
-                                          <p:spTgt spid="9">
-                                            <p:txEl>
-                                              <p:pRg st="12" end="12"/>
                                             </p:txEl>
                                           </p:spTgt>
                                         </p:tgtEl>
@@ -26214,7 +26186,7 @@
               </a14:hiddenLine>
             </a:ext>
             <a:ext uri="{FAA26D3D-D897-4be2-8F04-BA451C77F1D7}">
-              <ma14:placeholderFlag xmlns="" xmlns:ma14="http://schemas.microsoft.com/office/mac/drawingml/2011/main" val="1"/>
+              <ma14:placeholderFlag xmlns:ma14="http://schemas.microsoft.com/office/mac/drawingml/2011/main" xmlns="" val="1"/>
             </a:ext>
           </a:extLst>
         </p:spPr>
@@ -26455,20 +26427,6 @@
             <a:endParaRPr lang="en-CA" altLang="en-US" dirty="0"/>
           </a:p>
           <a:p>
-            <a:pPr lvl="2"/>
-            <a:r>
-              <a:rPr lang="en-CA" altLang="en-US" dirty="0"/>
-              <a:t> </a:t>
-            </a:r>
-            <a:r>
-              <a:rPr lang="en-CA" altLang="en-US" dirty="0">
-                <a:hlinkClick r:id="rId5"/>
-              </a:rPr>
-              <a:t>RobCat de DeepMind</a:t>
-            </a:r>
-            <a:endParaRPr lang="fr-CA" altLang="en-US" dirty="0"/>
-          </a:p>
-          <a:p>
             <a:pPr marL="457200" lvl="1" indent="0">
               <a:buNone/>
             </a:pPr>
@@ -26521,7 +26479,7 @@
               </a14:hiddenLine>
             </a:ext>
             <a:ext uri="{FAA26D3D-D897-4be2-8F04-BA451C77F1D7}">
-              <ma14:placeholderFlag xmlns="" xmlns:ma14="http://schemas.microsoft.com/office/mac/drawingml/2011/main" val="1"/>
+              <ma14:placeholderFlag xmlns:ma14="http://schemas.microsoft.com/office/mac/drawingml/2011/main" xmlns="" val="1"/>
             </a:ext>
           </a:extLst>
         </p:spPr>
@@ -26726,7 +26684,7 @@
           <p:nvPr/>
         </p:nvPicPr>
         <p:blipFill>
-          <a:blip r:embed="rId6">
+          <a:blip r:embed="rId5">
             <a:extLst>
               <a:ext uri="{28A0092B-C50C-407E-A947-70E740481C1C}">
                 <a14:useLocalDpi xmlns:a14="http://schemas.microsoft.com/office/drawing/2010/main" val="0"/>
@@ -26773,7 +26731,7 @@
           <p:nvPr/>
         </p:nvPicPr>
         <p:blipFill>
-          <a:blip r:embed="rId7">
+          <a:blip r:embed="rId6">
             <a:extLst>
               <a:ext uri="{28A0092B-C50C-407E-A947-70E740481C1C}">
                 <a14:useLocalDpi xmlns:a14="http://schemas.microsoft.com/office/drawing/2010/main" val="0"/>
@@ -26820,7 +26778,7 @@
           <p:nvPr/>
         </p:nvPicPr>
         <p:blipFill>
-          <a:blip r:embed="rId8"/>
+          <a:blip r:embed="rId7"/>
           <a:stretch>
             <a:fillRect/>
           </a:stretch>
@@ -26850,7 +26808,7 @@
           <p:nvPr/>
         </p:nvPicPr>
         <p:blipFill>
-          <a:blip r:embed="rId9"/>
+          <a:blip r:embed="rId8"/>
           <a:stretch>
             <a:fillRect/>
           </a:stretch>
@@ -26880,10 +26838,10 @@
           <p:nvPr/>
         </p:nvPicPr>
         <p:blipFill>
-          <a:blip r:embed="rId10">
+          <a:blip r:embed="rId9">
             <a:extLst>
               <a:ext uri="{96DAC541-7B7A-43D3-8B79-37D633B846F1}">
-                <asvg:svgBlip xmlns:asvg="http://schemas.microsoft.com/office/drawing/2016/SVG/main" r:embed="rId11"/>
+                <asvg:svgBlip xmlns:asvg="http://schemas.microsoft.com/office/drawing/2016/SVG/main" r:embed="rId10"/>
               </a:ext>
             </a:extLst>
           </a:blip>
@@ -27200,55 +27158,6 @@
                       </p:childTnLst>
                     </p:cTn>
                   </p:par>
-                  <p:par>
-                    <p:cTn id="25" fill="hold">
-                      <p:stCondLst>
-                        <p:cond delay="indefinite"/>
-                      </p:stCondLst>
-                      <p:childTnLst>
-                        <p:par>
-                          <p:cTn id="26" fill="hold">
-                            <p:stCondLst>
-                              <p:cond delay="0"/>
-                            </p:stCondLst>
-                            <p:childTnLst>
-                              <p:par>
-                                <p:cTn id="27" presetID="1" presetClass="entr" presetSubtype="0" fill="hold" nodeType="clickEffect">
-                                  <p:stCondLst>
-                                    <p:cond delay="0"/>
-                                  </p:stCondLst>
-                                  <p:childTnLst>
-                                    <p:set>
-                                      <p:cBhvr>
-                                        <p:cTn id="28" dur="1" fill="hold">
-                                          <p:stCondLst>
-                                            <p:cond delay="0"/>
-                                          </p:stCondLst>
-                                        </p:cTn>
-                                        <p:tgtEl>
-                                          <p:spTgt spid="9">
-                                            <p:txEl>
-                                              <p:pRg st="4" end="4"/>
-                                            </p:txEl>
-                                          </p:spTgt>
-                                        </p:tgtEl>
-                                        <p:attrNameLst>
-                                          <p:attrName>style.visibility</p:attrName>
-                                        </p:attrNameLst>
-                                      </p:cBhvr>
-                                      <p:to>
-                                        <p:strVal val="visible"/>
-                                      </p:to>
-                                    </p:set>
-                                  </p:childTnLst>
-                                </p:cTn>
-                              </p:par>
-                            </p:childTnLst>
-                          </p:cTn>
-                        </p:par>
-                      </p:childTnLst>
-                    </p:cTn>
-                  </p:par>
                 </p:childTnLst>
               </p:cTn>
               <p:prevCondLst>
@@ -27400,7 +27309,7 @@
             </a:pPr>
             <a:r>
               <a:rPr lang="fr-FR" altLang="en-US" dirty="0"/>
-              <a:t>Dee ses limites et son impact</a:t>
+              <a:t>De ses limites et son impact</a:t>
             </a:r>
           </a:p>
           <a:p>
@@ -27794,14 +27703,14 @@
         <p:spPr bwMode="auto">
           <a:extLst>
             <a:ext uri="{909E8E84-426E-40dd-AFC4-6F175D3DCCD1}">
-              <a14:hiddenFill xmlns="" xmlns:a14="http://schemas.microsoft.com/office/drawing/2010/main">
+              <a14:hiddenFill xmlns:a14="http://schemas.microsoft.com/office/drawing/2010/main" xmlns="">
                 <a:solidFill>
                   <a:srgbClr val="FFFFFF"/>
                 </a:solidFill>
               </a14:hiddenFill>
             </a:ext>
             <a:ext uri="{91240B29-F687-4f45-9708-019B960494DF}">
-              <a14:hiddenLine xmlns="" xmlns:a14="http://schemas.microsoft.com/office/drawing/2010/main" w="9525">
+              <a14:hiddenLine xmlns:a14="http://schemas.microsoft.com/office/drawing/2010/main" xmlns="" w="9525">
                 <a:solidFill>
                   <a:srgbClr val="000000"/>
                 </a:solidFill>
@@ -30948,6 +30857,15 @@
 </file>
 
 <file path=customXml/item1.xml><?xml version="1.0" encoding="utf-8"?>
+<?mso-contentType ?>
+<FormTemplates xmlns="http://schemas.microsoft.com/sharepoint/v3/contenttype/forms">
+  <Display>DocumentLibraryForm</Display>
+  <Edit>DocumentLibraryForm</Edit>
+  <New>DocumentLibraryForm</New>
+</FormTemplates>
+</file>
+
+<file path=customXml/item2.xml><?xml version="1.0" encoding="utf-8"?>
 <p:properties xmlns:p="http://schemas.microsoft.com/office/2006/metadata/properties" xmlns:xsi="http://www.w3.org/2001/XMLSchema-instance" xmlns:pc="http://schemas.microsoft.com/office/infopath/2007/PartnerControls">
   <documentManagement>
     <lcf76f155ced4ddcb4097134ff3c332f xmlns="be95ad7f-f2d3-4ad5-827d-a3392f6d419f">
@@ -30958,18 +30876,9 @@
 </p:properties>
 </file>
 
-<file path=customXml/item2.xml><?xml version="1.0" encoding="utf-8"?>
-<?mso-contentType ?>
-<FormTemplates xmlns="http://schemas.microsoft.com/sharepoint/v3/contenttype/forms">
-  <Display>DocumentLibraryForm</Display>
-  <Edit>DocumentLibraryForm</Edit>
-  <New>DocumentLibraryForm</New>
-</FormTemplates>
-</file>
-
 <file path=customXml/item3.xml><?xml version="1.0" encoding="utf-8"?>
-<ct:contentTypeSchema xmlns:ct="http://schemas.microsoft.com/office/2006/metadata/contentType" xmlns:ma="http://schemas.microsoft.com/office/2006/metadata/properties/metaAttributes" ct:_="" ma:_="" ma:contentTypeName="Document" ma:contentTypeID="0x01010081A5D1C58639CC438A0985A5163AD7E3" ma:contentTypeVersion="17" ma:contentTypeDescription="Crée un document." ma:contentTypeScope="" ma:versionID="7795556d6530b0b9480380495134c4db">
-  <xsd:schema xmlns:xsd="http://www.w3.org/2001/XMLSchema" xmlns:xs="http://www.w3.org/2001/XMLSchema" xmlns:p="http://schemas.microsoft.com/office/2006/metadata/properties" xmlns:ns2="be95ad7f-f2d3-4ad5-827d-a3392f6d419f" xmlns:ns3="461e6b72-1c26-445f-8625-322369705492" targetNamespace="http://schemas.microsoft.com/office/2006/metadata/properties" ma:root="true" ma:fieldsID="9d9b2d3b47b01b6398608d65909208f7" ns2:_="" ns3:_="">
+<ct:contentTypeSchema xmlns:ct="http://schemas.microsoft.com/office/2006/metadata/contentType" xmlns:ma="http://schemas.microsoft.com/office/2006/metadata/properties/metaAttributes" ct:_="" ma:_="" ma:contentTypeName="Document" ma:contentTypeID="0x01010081A5D1C58639CC438A0985A5163AD7E3" ma:contentTypeVersion="18" ma:contentTypeDescription="Crée un document." ma:contentTypeScope="" ma:versionID="c31e1409aa6e64c0100f51d6766f075d">
+  <xsd:schema xmlns:xsd="http://www.w3.org/2001/XMLSchema" xmlns:xs="http://www.w3.org/2001/XMLSchema" xmlns:p="http://schemas.microsoft.com/office/2006/metadata/properties" xmlns:ns2="be95ad7f-f2d3-4ad5-827d-a3392f6d419f" xmlns:ns3="461e6b72-1c26-445f-8625-322369705492" targetNamespace="http://schemas.microsoft.com/office/2006/metadata/properties" ma:root="true" ma:fieldsID="0b4bb63ac709531eedd8d2c75dce8409" ns2:_="" ns3:_="">
     <xsd:import namespace="be95ad7f-f2d3-4ad5-827d-a3392f6d419f"/>
     <xsd:import namespace="461e6b72-1c26-445f-8625-322369705492"/>
     <xsd:element name="properties">
@@ -30993,6 +30902,7 @@
                 <xsd:element ref="ns3:TaxCatchAll" minOccurs="0"/>
                 <xsd:element ref="ns2:MediaServiceLocation" minOccurs="0"/>
                 <xsd:element ref="ns2:MediaServiceObjectDetectorVersions" minOccurs="0"/>
+                <xsd:element ref="ns2:MediaServiceSearchProperties" minOccurs="0"/>
               </xsd:all>
             </xsd:complexType>
           </xsd:element>
@@ -31067,6 +30977,11 @@
     <xsd:element name="MediaServiceObjectDetectorVersions" ma:index="23" nillable="true" ma:displayName="MediaServiceObjectDetectorVersions" ma:hidden="true" ma:indexed="true" ma:internalName="MediaServiceObjectDetectorVersions" ma:readOnly="true">
       <xsd:simpleType>
         <xsd:restriction base="dms:Text"/>
+      </xsd:simpleType>
+    </xsd:element>
+    <xsd:element name="MediaServiceSearchProperties" ma:index="24" nillable="true" ma:displayName="MediaServiceSearchProperties" ma:hidden="true" ma:internalName="MediaServiceSearchProperties" ma:readOnly="true">
+      <xsd:simpleType>
+        <xsd:restriction base="dms:Note"/>
       </xsd:simpleType>
     </xsd:element>
   </xsd:schema>
@@ -31211,6 +31126,14 @@
 </file>
 
 <file path=customXml/itemProps1.xml><?xml version="1.0" encoding="utf-8"?>
+<ds:datastoreItem xmlns:ds="http://schemas.openxmlformats.org/officeDocument/2006/customXml" ds:itemID="{82A3A9FA-B6DA-49AF-AC07-798E93FF609B}">
+  <ds:schemaRefs>
+    <ds:schemaRef ds:uri="http://schemas.microsoft.com/sharepoint/v3/contenttype/forms"/>
+  </ds:schemaRefs>
+</ds:datastoreItem>
+</file>
+
+<file path=customXml/itemProps2.xml><?xml version="1.0" encoding="utf-8"?>
 <ds:datastoreItem xmlns:ds="http://schemas.openxmlformats.org/officeDocument/2006/customXml" ds:itemID="{92761995-0805-481C-9F56-7903233CFB6A}">
   <ds:schemaRefs>
     <ds:schemaRef ds:uri="be95ad7f-f2d3-4ad5-827d-a3392f6d419f"/>
@@ -31227,29 +31150,6 @@
 </ds:datastoreItem>
 </file>
 
-<file path=customXml/itemProps2.xml><?xml version="1.0" encoding="utf-8"?>
-<ds:datastoreItem xmlns:ds="http://schemas.openxmlformats.org/officeDocument/2006/customXml" ds:itemID="{82A3A9FA-B6DA-49AF-AC07-798E93FF609B}">
-  <ds:schemaRefs>
-    <ds:schemaRef ds:uri="http://schemas.microsoft.com/sharepoint/v3/contenttype/forms"/>
-  </ds:schemaRefs>
-</ds:datastoreItem>
-</file>
-
 <file path=customXml/itemProps3.xml><?xml version="1.0" encoding="utf-8"?>
-<ds:datastoreItem xmlns:ds="http://schemas.openxmlformats.org/officeDocument/2006/customXml" ds:itemID="{4E186010-96BC-4198-9BF4-A2648F93BCBA}">
-  <ds:schemaRefs>
-    <ds:schemaRef ds:uri="http://schemas.microsoft.com/office/2006/metadata/contentType"/>
-    <ds:schemaRef ds:uri="http://schemas.microsoft.com/office/2006/metadata/properties/metaAttributes"/>
-    <ds:schemaRef ds:uri="http://www.w3.org/2001/XMLSchema"/>
-    <ds:schemaRef ds:uri="http://schemas.microsoft.com/office/2006/metadata/properties"/>
-    <ds:schemaRef ds:uri="be95ad7f-f2d3-4ad5-827d-a3392f6d419f"/>
-    <ds:schemaRef ds:uri="461e6b72-1c26-445f-8625-322369705492"/>
-    <ds:schemaRef ds:uri="http://schemas.microsoft.com/office/2006/documentManagement/types"/>
-    <ds:schemaRef ds:uri="http://schemas.microsoft.com/office/infopath/2007/PartnerControls"/>
-    <ds:schemaRef ds:uri="http://schemas.openxmlformats.org/package/2006/metadata/core-properties"/>
-    <ds:schemaRef ds:uri="http://purl.org/dc/elements/1.1/"/>
-    <ds:schemaRef ds:uri="http://purl.org/dc/terms/"/>
-    <ds:schemaRef ds:uri="http://schemas.microsoft.com/internal/obd"/>
-  </ds:schemaRefs>
-</ds:datastoreItem>
+<ds:datastoreItem xmlns:ds="http://schemas.openxmlformats.org/officeDocument/2006/customXml" ds:itemID="{F58BE198-0FA8-4D5B-9EE0-CE414B3EF4B1}"/>
 </file>